--- a/Project supporting Artifacts/Sitemap/sitemap.pptx
+++ b/Project supporting Artifacts/Sitemap/sitemap.pptx
@@ -6,6 +6,7 @@
   </p:sldMasterIdLst>
   <p:sldIdLst>
     <p:sldId id="256" r:id="rId2"/>
+    <p:sldId id="257" r:id="rId3"/>
   </p:sldIdLst>
   <p:sldSz cx="12192000" cy="6858000"/>
   <p:notesSz cx="6858000" cy="9144000"/>
@@ -104,6 +105,11 @@
       </a:defRPr>
     </a:lvl9pPr>
   </p:defaultTextStyle>
+  <p:extLst>
+    <p:ext uri="{EFAFB233-063F-42B5-8137-9DF3F51BA10A}">
+      <p15:sldGuideLst xmlns:p15="http://schemas.microsoft.com/office/powerpoint/2012/main"/>
+    </p:ext>
+  </p:extLst>
 </p:presentation>
 </file>
 
@@ -238,7 +244,7 @@
           <a:p>
             <a:fld id="{BDB6660D-5093-44A9-9D9D-C538153C9B32}" type="datetimeFigureOut">
               <a:rPr lang="en-IE" smtClean="0"/>
-              <a:t>11/10/2023</a:t>
+              <a:t>17/12/2023</a:t>
             </a:fld>
             <a:endParaRPr lang="en-IE"/>
           </a:p>
@@ -408,7 +414,7 @@
           <a:p>
             <a:fld id="{BDB6660D-5093-44A9-9D9D-C538153C9B32}" type="datetimeFigureOut">
               <a:rPr lang="en-IE" smtClean="0"/>
-              <a:t>11/10/2023</a:t>
+              <a:t>17/12/2023</a:t>
             </a:fld>
             <a:endParaRPr lang="en-IE"/>
           </a:p>
@@ -588,7 +594,7 @@
           <a:p>
             <a:fld id="{BDB6660D-5093-44A9-9D9D-C538153C9B32}" type="datetimeFigureOut">
               <a:rPr lang="en-IE" smtClean="0"/>
-              <a:t>11/10/2023</a:t>
+              <a:t>17/12/2023</a:t>
             </a:fld>
             <a:endParaRPr lang="en-IE"/>
           </a:p>
@@ -758,7 +764,7 @@
           <a:p>
             <a:fld id="{BDB6660D-5093-44A9-9D9D-C538153C9B32}" type="datetimeFigureOut">
               <a:rPr lang="en-IE" smtClean="0"/>
-              <a:t>11/10/2023</a:t>
+              <a:t>17/12/2023</a:t>
             </a:fld>
             <a:endParaRPr lang="en-IE"/>
           </a:p>
@@ -1004,7 +1010,7 @@
           <a:p>
             <a:fld id="{BDB6660D-5093-44A9-9D9D-C538153C9B32}" type="datetimeFigureOut">
               <a:rPr lang="en-IE" smtClean="0"/>
-              <a:t>11/10/2023</a:t>
+              <a:t>17/12/2023</a:t>
             </a:fld>
             <a:endParaRPr lang="en-IE"/>
           </a:p>
@@ -1236,7 +1242,7 @@
           <a:p>
             <a:fld id="{BDB6660D-5093-44A9-9D9D-C538153C9B32}" type="datetimeFigureOut">
               <a:rPr lang="en-IE" smtClean="0"/>
-              <a:t>11/10/2023</a:t>
+              <a:t>17/12/2023</a:t>
             </a:fld>
             <a:endParaRPr lang="en-IE"/>
           </a:p>
@@ -1603,7 +1609,7 @@
           <a:p>
             <a:fld id="{BDB6660D-5093-44A9-9D9D-C538153C9B32}" type="datetimeFigureOut">
               <a:rPr lang="en-IE" smtClean="0"/>
-              <a:t>11/10/2023</a:t>
+              <a:t>17/12/2023</a:t>
             </a:fld>
             <a:endParaRPr lang="en-IE"/>
           </a:p>
@@ -1721,7 +1727,7 @@
           <a:p>
             <a:fld id="{BDB6660D-5093-44A9-9D9D-C538153C9B32}" type="datetimeFigureOut">
               <a:rPr lang="en-IE" smtClean="0"/>
-              <a:t>11/10/2023</a:t>
+              <a:t>17/12/2023</a:t>
             </a:fld>
             <a:endParaRPr lang="en-IE"/>
           </a:p>
@@ -1816,7 +1822,7 @@
           <a:p>
             <a:fld id="{BDB6660D-5093-44A9-9D9D-C538153C9B32}" type="datetimeFigureOut">
               <a:rPr lang="en-IE" smtClean="0"/>
-              <a:t>11/10/2023</a:t>
+              <a:t>17/12/2023</a:t>
             </a:fld>
             <a:endParaRPr lang="en-IE"/>
           </a:p>
@@ -2093,7 +2099,7 @@
           <a:p>
             <a:fld id="{BDB6660D-5093-44A9-9D9D-C538153C9B32}" type="datetimeFigureOut">
               <a:rPr lang="en-IE" smtClean="0"/>
-              <a:t>11/10/2023</a:t>
+              <a:t>17/12/2023</a:t>
             </a:fld>
             <a:endParaRPr lang="en-IE"/>
           </a:p>
@@ -2350,7 +2356,7 @@
           <a:p>
             <a:fld id="{BDB6660D-5093-44A9-9D9D-C538153C9B32}" type="datetimeFigureOut">
               <a:rPr lang="en-IE" smtClean="0"/>
-              <a:t>11/10/2023</a:t>
+              <a:t>17/12/2023</a:t>
             </a:fld>
             <a:endParaRPr lang="en-IE"/>
           </a:p>
@@ -2563,7 +2569,7 @@
           <a:p>
             <a:fld id="{BDB6660D-5093-44A9-9D9D-C538153C9B32}" type="datetimeFigureOut">
               <a:rPr lang="en-IE" smtClean="0"/>
-              <a:t>11/10/2023</a:t>
+              <a:t>17/12/2023</a:t>
             </a:fld>
             <a:endParaRPr lang="en-IE"/>
           </a:p>
@@ -4524,6 +4530,2137 @@
 </p:sld>
 </file>
 
+<file path=ppt/slides/slide2.xml><?xml version="1.0" encoding="utf-8"?>
+<p:sld xmlns:a="http://schemas.openxmlformats.org/drawingml/2006/main" xmlns:r="http://schemas.openxmlformats.org/officeDocument/2006/relationships" xmlns:p="http://schemas.openxmlformats.org/presentationml/2006/main">
+  <p:cSld>
+    <p:bg>
+      <p:bgPr>
+        <a:solidFill>
+          <a:schemeClr val="bg2">
+            <a:lumMod val="50000"/>
+          </a:schemeClr>
+        </a:solidFill>
+        <a:effectLst/>
+      </p:bgPr>
+    </p:bg>
+    <p:spTree>
+      <p:nvGrpSpPr>
+        <p:cNvPr id="1" name=""/>
+        <p:cNvGrpSpPr/>
+        <p:nvPr/>
+      </p:nvGrpSpPr>
+      <p:grpSpPr>
+        <a:xfrm>
+          <a:off x="0" y="0"/>
+          <a:ext cx="0" cy="0"/>
+          <a:chOff x="0" y="0"/>
+          <a:chExt cx="0" cy="0"/>
+        </a:xfrm>
+      </p:grpSpPr>
+      <p:sp>
+        <p:nvSpPr>
+          <p:cNvPr id="4" name="Rectangle: Rounded Corners 3">
+            <a:extLst>
+              <a:ext uri="{FF2B5EF4-FFF2-40B4-BE49-F238E27FC236}">
+                <a16:creationId xmlns:a16="http://schemas.microsoft.com/office/drawing/2014/main" id="{8B98695F-75DF-4523-348C-D162AB53EC43}"/>
+              </a:ext>
+            </a:extLst>
+          </p:cNvPr>
+          <p:cNvSpPr/>
+          <p:nvPr/>
+        </p:nvSpPr>
+        <p:spPr>
+          <a:xfrm>
+            <a:off x="4665518" y="541867"/>
+            <a:ext cx="2860964" cy="552642"/>
+          </a:xfrm>
+          <a:prstGeom prst="roundRect">
+            <a:avLst/>
+          </a:prstGeom>
+        </p:spPr>
+        <p:style>
+          <a:lnRef idx="2">
+            <a:schemeClr val="accent1">
+              <a:shade val="15000"/>
+            </a:schemeClr>
+          </a:lnRef>
+          <a:fillRef idx="1">
+            <a:schemeClr val="accent1"/>
+          </a:fillRef>
+          <a:effectRef idx="0">
+            <a:schemeClr val="accent1"/>
+          </a:effectRef>
+          <a:fontRef idx="minor">
+            <a:schemeClr val="lt1"/>
+          </a:fontRef>
+        </p:style>
+        <p:txBody>
+          <a:bodyPr rtlCol="0" anchor="ctr"/>
+          <a:lstStyle/>
+          <a:p>
+            <a:pPr algn="ctr"/>
+            <a:r>
+              <a:rPr lang="en-IE" dirty="0"/>
+              <a:t>Landing Page</a:t>
+            </a:r>
+          </a:p>
+        </p:txBody>
+      </p:sp>
+      <p:sp>
+        <p:nvSpPr>
+          <p:cNvPr id="5" name="Rectangle: Rounded Corners 4">
+            <a:extLst>
+              <a:ext uri="{FF2B5EF4-FFF2-40B4-BE49-F238E27FC236}">
+                <a16:creationId xmlns:a16="http://schemas.microsoft.com/office/drawing/2014/main" id="{75E439B1-0C42-B4AA-9DF2-E2A856D99D08}"/>
+              </a:ext>
+            </a:extLst>
+          </p:cNvPr>
+          <p:cNvSpPr/>
+          <p:nvPr/>
+        </p:nvSpPr>
+        <p:spPr>
+          <a:xfrm>
+            <a:off x="245916" y="1288858"/>
+            <a:ext cx="1420091" cy="665018"/>
+          </a:xfrm>
+          <a:prstGeom prst="roundRect">
+            <a:avLst/>
+          </a:prstGeom>
+          <a:solidFill>
+            <a:schemeClr val="accent2">
+              <a:lumMod val="75000"/>
+            </a:schemeClr>
+          </a:solidFill>
+        </p:spPr>
+        <p:style>
+          <a:lnRef idx="2">
+            <a:schemeClr val="accent1">
+              <a:shade val="15000"/>
+            </a:schemeClr>
+          </a:lnRef>
+          <a:fillRef idx="1">
+            <a:schemeClr val="accent1"/>
+          </a:fillRef>
+          <a:effectRef idx="0">
+            <a:schemeClr val="accent1"/>
+          </a:effectRef>
+          <a:fontRef idx="minor">
+            <a:schemeClr val="lt1"/>
+          </a:fontRef>
+        </p:style>
+        <p:txBody>
+          <a:bodyPr rtlCol="0" anchor="ctr"/>
+          <a:lstStyle/>
+          <a:p>
+            <a:pPr algn="ctr"/>
+            <a:r>
+              <a:rPr lang="en-IE" dirty="0"/>
+              <a:t>Tutorial</a:t>
+            </a:r>
+          </a:p>
+        </p:txBody>
+      </p:sp>
+      <p:cxnSp>
+        <p:nvCxnSpPr>
+          <p:cNvPr id="13" name="Connector: Elbow 12">
+            <a:extLst>
+              <a:ext uri="{FF2B5EF4-FFF2-40B4-BE49-F238E27FC236}">
+                <a16:creationId xmlns:a16="http://schemas.microsoft.com/office/drawing/2014/main" id="{2EB1344B-2732-6222-4637-FCBF1D6EC176}"/>
+              </a:ext>
+            </a:extLst>
+          </p:cNvPr>
+          <p:cNvCxnSpPr>
+            <a:cxnSpLocks/>
+            <a:stCxn id="4" idx="2"/>
+            <a:endCxn id="5" idx="0"/>
+          </p:cNvCxnSpPr>
+          <p:nvPr/>
+        </p:nvCxnSpPr>
+        <p:spPr>
+          <a:xfrm rot="5400000">
+            <a:off x="3428807" y="-1378336"/>
+            <a:ext cx="194349" cy="5140038"/>
+          </a:xfrm>
+          <a:prstGeom prst="bentConnector3">
+            <a:avLst/>
+          </a:prstGeom>
+        </p:spPr>
+        <p:style>
+          <a:lnRef idx="1">
+            <a:schemeClr val="accent1"/>
+          </a:lnRef>
+          <a:fillRef idx="0">
+            <a:schemeClr val="accent1"/>
+          </a:fillRef>
+          <a:effectRef idx="0">
+            <a:schemeClr val="accent1"/>
+          </a:effectRef>
+          <a:fontRef idx="minor">
+            <a:schemeClr val="tx1"/>
+          </a:fontRef>
+        </p:style>
+      </p:cxnSp>
+      <p:sp>
+        <p:nvSpPr>
+          <p:cNvPr id="3" name="Rectangle: Rounded Corners 2">
+            <a:extLst>
+              <a:ext uri="{FF2B5EF4-FFF2-40B4-BE49-F238E27FC236}">
+                <a16:creationId xmlns:a16="http://schemas.microsoft.com/office/drawing/2014/main" id="{17A52323-C06C-7502-0518-8E18F4718016}"/>
+              </a:ext>
+            </a:extLst>
+          </p:cNvPr>
+          <p:cNvSpPr/>
+          <p:nvPr/>
+        </p:nvSpPr>
+        <p:spPr>
+          <a:xfrm>
+            <a:off x="2376053" y="1288858"/>
+            <a:ext cx="1420091" cy="665018"/>
+          </a:xfrm>
+          <a:prstGeom prst="roundRect">
+            <a:avLst/>
+          </a:prstGeom>
+          <a:solidFill>
+            <a:schemeClr val="accent2">
+              <a:lumMod val="75000"/>
+            </a:schemeClr>
+          </a:solidFill>
+        </p:spPr>
+        <p:style>
+          <a:lnRef idx="2">
+            <a:schemeClr val="accent1">
+              <a:shade val="15000"/>
+            </a:schemeClr>
+          </a:lnRef>
+          <a:fillRef idx="1">
+            <a:schemeClr val="accent1"/>
+          </a:fillRef>
+          <a:effectRef idx="0">
+            <a:schemeClr val="accent1"/>
+          </a:effectRef>
+          <a:fontRef idx="minor">
+            <a:schemeClr val="lt1"/>
+          </a:fontRef>
+        </p:style>
+        <p:txBody>
+          <a:bodyPr rtlCol="0" anchor="ctr"/>
+          <a:lstStyle/>
+          <a:p>
+            <a:pPr algn="ctr"/>
+            <a:r>
+              <a:rPr lang="en-IE" dirty="0"/>
+              <a:t>Sign up &amp; Get started</a:t>
+            </a:r>
+          </a:p>
+        </p:txBody>
+      </p:sp>
+      <p:sp>
+        <p:nvSpPr>
+          <p:cNvPr id="9" name="Rectangle: Rounded Corners 8">
+            <a:extLst>
+              <a:ext uri="{FF2B5EF4-FFF2-40B4-BE49-F238E27FC236}">
+                <a16:creationId xmlns:a16="http://schemas.microsoft.com/office/drawing/2014/main" id="{EA9E9FED-3B8C-06FA-DCC1-C824557B4B52}"/>
+              </a:ext>
+            </a:extLst>
+          </p:cNvPr>
+          <p:cNvSpPr/>
+          <p:nvPr/>
+        </p:nvSpPr>
+        <p:spPr>
+          <a:xfrm>
+            <a:off x="4236026" y="1288858"/>
+            <a:ext cx="1420091" cy="665018"/>
+          </a:xfrm>
+          <a:prstGeom prst="roundRect">
+            <a:avLst/>
+          </a:prstGeom>
+          <a:solidFill>
+            <a:schemeClr val="accent2">
+              <a:lumMod val="75000"/>
+            </a:schemeClr>
+          </a:solidFill>
+        </p:spPr>
+        <p:style>
+          <a:lnRef idx="2">
+            <a:schemeClr val="accent1">
+              <a:shade val="15000"/>
+            </a:schemeClr>
+          </a:lnRef>
+          <a:fillRef idx="1">
+            <a:schemeClr val="accent1"/>
+          </a:fillRef>
+          <a:effectRef idx="0">
+            <a:schemeClr val="accent1"/>
+          </a:effectRef>
+          <a:fontRef idx="minor">
+            <a:schemeClr val="lt1"/>
+          </a:fontRef>
+        </p:style>
+        <p:txBody>
+          <a:bodyPr rtlCol="0" anchor="ctr"/>
+          <a:lstStyle/>
+          <a:p>
+            <a:pPr algn="ctr"/>
+            <a:r>
+              <a:rPr lang="en-IE" dirty="0"/>
+              <a:t>Sign In</a:t>
+            </a:r>
+          </a:p>
+        </p:txBody>
+      </p:sp>
+      <p:cxnSp>
+        <p:nvCxnSpPr>
+          <p:cNvPr id="15" name="Connector: Elbow 14">
+            <a:extLst>
+              <a:ext uri="{FF2B5EF4-FFF2-40B4-BE49-F238E27FC236}">
+                <a16:creationId xmlns:a16="http://schemas.microsoft.com/office/drawing/2014/main" id="{8AA0C29C-4B33-397E-F6BE-B37C2FD1F793}"/>
+              </a:ext>
+            </a:extLst>
+          </p:cNvPr>
+          <p:cNvCxnSpPr>
+            <a:cxnSpLocks/>
+            <a:stCxn id="3" idx="0"/>
+            <a:endCxn id="4" idx="2"/>
+          </p:cNvCxnSpPr>
+          <p:nvPr/>
+        </p:nvCxnSpPr>
+        <p:spPr>
+          <a:xfrm rot="5400000" flipH="1" flipV="1">
+            <a:off x="4493875" y="-313266"/>
+            <a:ext cx="194349" cy="3009901"/>
+          </a:xfrm>
+          <a:prstGeom prst="bentConnector3">
+            <a:avLst>
+              <a:gd name="adj1" fmla="val 50000"/>
+            </a:avLst>
+          </a:prstGeom>
+        </p:spPr>
+        <p:style>
+          <a:lnRef idx="1">
+            <a:schemeClr val="accent1"/>
+          </a:lnRef>
+          <a:fillRef idx="0">
+            <a:schemeClr val="accent1"/>
+          </a:fillRef>
+          <a:effectRef idx="0">
+            <a:schemeClr val="accent1"/>
+          </a:effectRef>
+          <a:fontRef idx="minor">
+            <a:schemeClr val="tx1"/>
+          </a:fontRef>
+        </p:style>
+      </p:cxnSp>
+      <p:cxnSp>
+        <p:nvCxnSpPr>
+          <p:cNvPr id="26" name="Connector: Elbow 25">
+            <a:extLst>
+              <a:ext uri="{FF2B5EF4-FFF2-40B4-BE49-F238E27FC236}">
+                <a16:creationId xmlns:a16="http://schemas.microsoft.com/office/drawing/2014/main" id="{8CC607B4-C810-1CD9-C1AB-64F0D6B741F2}"/>
+              </a:ext>
+            </a:extLst>
+          </p:cNvPr>
+          <p:cNvCxnSpPr>
+            <a:stCxn id="4" idx="2"/>
+            <a:endCxn id="9" idx="0"/>
+          </p:cNvCxnSpPr>
+          <p:nvPr/>
+        </p:nvCxnSpPr>
+        <p:spPr>
+          <a:xfrm rot="5400000">
+            <a:off x="5423862" y="616719"/>
+            <a:ext cx="194349" cy="1149928"/>
+          </a:xfrm>
+          <a:prstGeom prst="bentConnector3">
+            <a:avLst/>
+          </a:prstGeom>
+        </p:spPr>
+        <p:style>
+          <a:lnRef idx="1">
+            <a:schemeClr val="accent1"/>
+          </a:lnRef>
+          <a:fillRef idx="0">
+            <a:schemeClr val="accent1"/>
+          </a:fillRef>
+          <a:effectRef idx="0">
+            <a:schemeClr val="accent1"/>
+          </a:effectRef>
+          <a:fontRef idx="minor">
+            <a:schemeClr val="tx1"/>
+          </a:fontRef>
+        </p:style>
+      </p:cxnSp>
+      <p:sp>
+        <p:nvSpPr>
+          <p:cNvPr id="27" name="Rectangle: Rounded Corners 26">
+            <a:extLst>
+              <a:ext uri="{FF2B5EF4-FFF2-40B4-BE49-F238E27FC236}">
+                <a16:creationId xmlns:a16="http://schemas.microsoft.com/office/drawing/2014/main" id="{35D6612C-8BF0-1C6C-B3B8-A85EEF023978}"/>
+              </a:ext>
+            </a:extLst>
+          </p:cNvPr>
+          <p:cNvSpPr/>
+          <p:nvPr/>
+        </p:nvSpPr>
+        <p:spPr>
+          <a:xfrm>
+            <a:off x="5997970" y="1401234"/>
+            <a:ext cx="2860964" cy="552642"/>
+          </a:xfrm>
+          <a:prstGeom prst="roundRect">
+            <a:avLst/>
+          </a:prstGeom>
+        </p:spPr>
+        <p:style>
+          <a:lnRef idx="2">
+            <a:schemeClr val="accent1">
+              <a:shade val="15000"/>
+            </a:schemeClr>
+          </a:lnRef>
+          <a:fillRef idx="1">
+            <a:schemeClr val="accent1"/>
+          </a:fillRef>
+          <a:effectRef idx="0">
+            <a:schemeClr val="accent1"/>
+          </a:effectRef>
+          <a:fontRef idx="minor">
+            <a:schemeClr val="lt1"/>
+          </a:fontRef>
+        </p:style>
+        <p:txBody>
+          <a:bodyPr rtlCol="0" anchor="ctr"/>
+          <a:lstStyle/>
+          <a:p>
+            <a:pPr algn="ctr"/>
+            <a:r>
+              <a:rPr lang="en-IE" dirty="0"/>
+              <a:t>Home</a:t>
+            </a:r>
+          </a:p>
+        </p:txBody>
+      </p:sp>
+      <p:sp>
+        <p:nvSpPr>
+          <p:cNvPr id="28" name="Rectangle: Rounded Corners 27">
+            <a:extLst>
+              <a:ext uri="{FF2B5EF4-FFF2-40B4-BE49-F238E27FC236}">
+                <a16:creationId xmlns:a16="http://schemas.microsoft.com/office/drawing/2014/main" id="{A6D798FF-32E8-B41D-602D-D7DEC968B511}"/>
+              </a:ext>
+            </a:extLst>
+          </p:cNvPr>
+          <p:cNvSpPr/>
+          <p:nvPr/>
+        </p:nvSpPr>
+        <p:spPr>
+          <a:xfrm>
+            <a:off x="402468" y="2764366"/>
+            <a:ext cx="1420091" cy="665018"/>
+          </a:xfrm>
+          <a:prstGeom prst="roundRect">
+            <a:avLst/>
+          </a:prstGeom>
+        </p:spPr>
+        <p:style>
+          <a:lnRef idx="2">
+            <a:schemeClr val="accent1">
+              <a:shade val="15000"/>
+            </a:schemeClr>
+          </a:lnRef>
+          <a:fillRef idx="1">
+            <a:schemeClr val="accent1"/>
+          </a:fillRef>
+          <a:effectRef idx="0">
+            <a:schemeClr val="accent1"/>
+          </a:effectRef>
+          <a:fontRef idx="minor">
+            <a:schemeClr val="lt1"/>
+          </a:fontRef>
+        </p:style>
+        <p:txBody>
+          <a:bodyPr rtlCol="0" anchor="ctr"/>
+          <a:lstStyle/>
+          <a:p>
+            <a:pPr algn="ctr"/>
+            <a:r>
+              <a:rPr lang="en-IE" dirty="0"/>
+              <a:t>Upload dataset</a:t>
+            </a:r>
+          </a:p>
+        </p:txBody>
+      </p:sp>
+      <p:sp>
+        <p:nvSpPr>
+          <p:cNvPr id="29" name="Rectangle: Rounded Corners 28">
+            <a:extLst>
+              <a:ext uri="{FF2B5EF4-FFF2-40B4-BE49-F238E27FC236}">
+                <a16:creationId xmlns:a16="http://schemas.microsoft.com/office/drawing/2014/main" id="{CB97E090-BB36-0D46-E5E6-302F186B4CBB}"/>
+              </a:ext>
+            </a:extLst>
+          </p:cNvPr>
+          <p:cNvSpPr/>
+          <p:nvPr/>
+        </p:nvSpPr>
+        <p:spPr>
+          <a:xfrm>
+            <a:off x="4509040" y="2764364"/>
+            <a:ext cx="1420091" cy="665018"/>
+          </a:xfrm>
+          <a:prstGeom prst="roundRect">
+            <a:avLst/>
+          </a:prstGeom>
+        </p:spPr>
+        <p:style>
+          <a:lnRef idx="2">
+            <a:schemeClr val="accent1">
+              <a:shade val="15000"/>
+            </a:schemeClr>
+          </a:lnRef>
+          <a:fillRef idx="1">
+            <a:schemeClr val="accent1"/>
+          </a:fillRef>
+          <a:effectRef idx="0">
+            <a:schemeClr val="accent1"/>
+          </a:effectRef>
+          <a:fontRef idx="minor">
+            <a:schemeClr val="lt1"/>
+          </a:fontRef>
+        </p:style>
+        <p:txBody>
+          <a:bodyPr rtlCol="0" anchor="ctr"/>
+          <a:lstStyle/>
+          <a:p>
+            <a:pPr algn="ctr"/>
+            <a:r>
+              <a:rPr lang="en-IE" b="0" i="0" dirty="0">
+                <a:solidFill>
+                  <a:srgbClr val="FFFFFF"/>
+                </a:solidFill>
+                <a:effectLst/>
+                <a:latin typeface="Roboto Flex"/>
+              </a:rPr>
+              <a:t>Data Profile</a:t>
+            </a:r>
+            <a:endParaRPr lang="en-IE" dirty="0"/>
+          </a:p>
+        </p:txBody>
+      </p:sp>
+      <p:sp>
+        <p:nvSpPr>
+          <p:cNvPr id="30" name="Rectangle: Rounded Corners 29">
+            <a:extLst>
+              <a:ext uri="{FF2B5EF4-FFF2-40B4-BE49-F238E27FC236}">
+                <a16:creationId xmlns:a16="http://schemas.microsoft.com/office/drawing/2014/main" id="{032944FD-9F52-6F7D-BCE0-C5D7DE8F2460}"/>
+              </a:ext>
+            </a:extLst>
+          </p:cNvPr>
+          <p:cNvSpPr/>
+          <p:nvPr/>
+        </p:nvSpPr>
+        <p:spPr>
+          <a:xfrm>
+            <a:off x="7195523" y="2764366"/>
+            <a:ext cx="1420091" cy="665018"/>
+          </a:xfrm>
+          <a:prstGeom prst="roundRect">
+            <a:avLst/>
+          </a:prstGeom>
+        </p:spPr>
+        <p:style>
+          <a:lnRef idx="2">
+            <a:schemeClr val="accent1">
+              <a:shade val="15000"/>
+            </a:schemeClr>
+          </a:lnRef>
+          <a:fillRef idx="1">
+            <a:schemeClr val="accent1"/>
+          </a:fillRef>
+          <a:effectRef idx="0">
+            <a:schemeClr val="accent1"/>
+          </a:effectRef>
+          <a:fontRef idx="minor">
+            <a:schemeClr val="lt1"/>
+          </a:fontRef>
+        </p:style>
+        <p:txBody>
+          <a:bodyPr rtlCol="0" anchor="ctr"/>
+          <a:lstStyle/>
+          <a:p>
+            <a:pPr algn="ctr"/>
+            <a:r>
+              <a:rPr lang="en-IE" b="0" i="0" dirty="0">
+                <a:solidFill>
+                  <a:srgbClr val="FFFFFF"/>
+                </a:solidFill>
+                <a:effectLst/>
+                <a:latin typeface="Roboto Flex"/>
+              </a:rPr>
+              <a:t>Data Cleaning</a:t>
+            </a:r>
+            <a:endParaRPr lang="en-IE" dirty="0"/>
+          </a:p>
+        </p:txBody>
+      </p:sp>
+      <p:cxnSp>
+        <p:nvCxnSpPr>
+          <p:cNvPr id="33" name="Connector: Elbow 32">
+            <a:extLst>
+              <a:ext uri="{FF2B5EF4-FFF2-40B4-BE49-F238E27FC236}">
+                <a16:creationId xmlns:a16="http://schemas.microsoft.com/office/drawing/2014/main" id="{F9DFB4CB-87FC-9D37-07C5-6C25F7AF254D}"/>
+              </a:ext>
+            </a:extLst>
+          </p:cNvPr>
+          <p:cNvCxnSpPr>
+            <a:cxnSpLocks/>
+            <a:stCxn id="27" idx="2"/>
+            <a:endCxn id="28" idx="0"/>
+          </p:cNvCxnSpPr>
+          <p:nvPr/>
+        </p:nvCxnSpPr>
+        <p:spPr>
+          <a:xfrm rot="5400000">
+            <a:off x="3865238" y="-798848"/>
+            <a:ext cx="810490" cy="6315938"/>
+          </a:xfrm>
+          <a:prstGeom prst="bentConnector3">
+            <a:avLst/>
+          </a:prstGeom>
+        </p:spPr>
+        <p:style>
+          <a:lnRef idx="1">
+            <a:schemeClr val="accent1"/>
+          </a:lnRef>
+          <a:fillRef idx="0">
+            <a:schemeClr val="accent1"/>
+          </a:fillRef>
+          <a:effectRef idx="0">
+            <a:schemeClr val="accent1"/>
+          </a:effectRef>
+          <a:fontRef idx="minor">
+            <a:schemeClr val="tx1"/>
+          </a:fontRef>
+        </p:style>
+      </p:cxnSp>
+      <p:cxnSp>
+        <p:nvCxnSpPr>
+          <p:cNvPr id="34" name="Connector: Elbow 33">
+            <a:extLst>
+              <a:ext uri="{FF2B5EF4-FFF2-40B4-BE49-F238E27FC236}">
+                <a16:creationId xmlns:a16="http://schemas.microsoft.com/office/drawing/2014/main" id="{6C918361-E4B7-02D8-AF7B-F154C9CDC48A}"/>
+              </a:ext>
+            </a:extLst>
+          </p:cNvPr>
+          <p:cNvCxnSpPr>
+            <a:cxnSpLocks/>
+            <a:stCxn id="27" idx="2"/>
+            <a:endCxn id="30" idx="0"/>
+          </p:cNvCxnSpPr>
+          <p:nvPr/>
+        </p:nvCxnSpPr>
+        <p:spPr>
+          <a:xfrm rot="16200000" flipH="1">
+            <a:off x="7261765" y="2120562"/>
+            <a:ext cx="810490" cy="477117"/>
+          </a:xfrm>
+          <a:prstGeom prst="bentConnector3">
+            <a:avLst/>
+          </a:prstGeom>
+        </p:spPr>
+        <p:style>
+          <a:lnRef idx="1">
+            <a:schemeClr val="accent1"/>
+          </a:lnRef>
+          <a:fillRef idx="0">
+            <a:schemeClr val="accent1"/>
+          </a:fillRef>
+          <a:effectRef idx="0">
+            <a:schemeClr val="accent1"/>
+          </a:effectRef>
+          <a:fontRef idx="minor">
+            <a:schemeClr val="tx1"/>
+          </a:fontRef>
+        </p:style>
+      </p:cxnSp>
+      <p:cxnSp>
+        <p:nvCxnSpPr>
+          <p:cNvPr id="35" name="Connector: Elbow 34">
+            <a:extLst>
+              <a:ext uri="{FF2B5EF4-FFF2-40B4-BE49-F238E27FC236}">
+                <a16:creationId xmlns:a16="http://schemas.microsoft.com/office/drawing/2014/main" id="{8BBD4254-0D9B-A8F6-2DFD-39198635FE6F}"/>
+              </a:ext>
+            </a:extLst>
+          </p:cNvPr>
+          <p:cNvCxnSpPr>
+            <a:cxnSpLocks/>
+            <a:stCxn id="27" idx="2"/>
+            <a:endCxn id="29" idx="0"/>
+          </p:cNvCxnSpPr>
+          <p:nvPr/>
+        </p:nvCxnSpPr>
+        <p:spPr>
+          <a:xfrm rot="5400000">
+            <a:off x="5918525" y="1254437"/>
+            <a:ext cx="810488" cy="2209366"/>
+          </a:xfrm>
+          <a:prstGeom prst="bentConnector3">
+            <a:avLst/>
+          </a:prstGeom>
+        </p:spPr>
+        <p:style>
+          <a:lnRef idx="1">
+            <a:schemeClr val="accent1"/>
+          </a:lnRef>
+          <a:fillRef idx="0">
+            <a:schemeClr val="accent1"/>
+          </a:fillRef>
+          <a:effectRef idx="0">
+            <a:schemeClr val="accent1"/>
+          </a:effectRef>
+          <a:fontRef idx="minor">
+            <a:schemeClr val="tx1"/>
+          </a:fontRef>
+        </p:style>
+      </p:cxnSp>
+      <p:sp>
+        <p:nvSpPr>
+          <p:cNvPr id="46" name="Rectangle: Rounded Corners 45">
+            <a:extLst>
+              <a:ext uri="{FF2B5EF4-FFF2-40B4-BE49-F238E27FC236}">
+                <a16:creationId xmlns:a16="http://schemas.microsoft.com/office/drawing/2014/main" id="{22A552E6-052D-F200-080F-DFB4AEFC399A}"/>
+              </a:ext>
+            </a:extLst>
+          </p:cNvPr>
+          <p:cNvSpPr/>
+          <p:nvPr/>
+        </p:nvSpPr>
+        <p:spPr>
+          <a:xfrm>
+            <a:off x="3984767" y="3900442"/>
+            <a:ext cx="2466109" cy="360218"/>
+          </a:xfrm>
+          <a:prstGeom prst="roundRect">
+            <a:avLst/>
+          </a:prstGeom>
+        </p:spPr>
+        <p:style>
+          <a:lnRef idx="2">
+            <a:schemeClr val="accent1">
+              <a:shade val="15000"/>
+            </a:schemeClr>
+          </a:lnRef>
+          <a:fillRef idx="1">
+            <a:schemeClr val="accent1"/>
+          </a:fillRef>
+          <a:effectRef idx="0">
+            <a:schemeClr val="accent1"/>
+          </a:effectRef>
+          <a:fontRef idx="minor">
+            <a:schemeClr val="lt1"/>
+          </a:fontRef>
+        </p:style>
+        <p:txBody>
+          <a:bodyPr rtlCol="0" anchor="ctr"/>
+          <a:lstStyle/>
+          <a:p>
+            <a:pPr algn="ctr"/>
+            <a:r>
+              <a:rPr lang="en-IE" dirty="0"/>
+              <a:t>Data Profile</a:t>
+            </a:r>
+          </a:p>
+        </p:txBody>
+      </p:sp>
+      <p:sp>
+        <p:nvSpPr>
+          <p:cNvPr id="47" name="Rectangle: Rounded Corners 46">
+            <a:extLst>
+              <a:ext uri="{FF2B5EF4-FFF2-40B4-BE49-F238E27FC236}">
+                <a16:creationId xmlns:a16="http://schemas.microsoft.com/office/drawing/2014/main" id="{36684CA1-357D-E63C-9B10-EB4C56ABAA09}"/>
+              </a:ext>
+            </a:extLst>
+          </p:cNvPr>
+          <p:cNvSpPr/>
+          <p:nvPr/>
+        </p:nvSpPr>
+        <p:spPr>
+          <a:xfrm>
+            <a:off x="6938712" y="5422546"/>
+            <a:ext cx="2613997" cy="360218"/>
+          </a:xfrm>
+          <a:prstGeom prst="roundRect">
+            <a:avLst/>
+          </a:prstGeom>
+        </p:spPr>
+        <p:style>
+          <a:lnRef idx="2">
+            <a:schemeClr val="accent1">
+              <a:shade val="15000"/>
+            </a:schemeClr>
+          </a:lnRef>
+          <a:fillRef idx="1">
+            <a:schemeClr val="accent1"/>
+          </a:fillRef>
+          <a:effectRef idx="0">
+            <a:schemeClr val="accent1"/>
+          </a:effectRef>
+          <a:fontRef idx="minor">
+            <a:schemeClr val="lt1"/>
+          </a:fontRef>
+        </p:style>
+        <p:txBody>
+          <a:bodyPr rtlCol="0" anchor="ctr"/>
+          <a:lstStyle/>
+          <a:p>
+            <a:pPr algn="ctr"/>
+            <a:r>
+              <a:rPr lang="en-IE" dirty="0"/>
+              <a:t>Start data cleaning</a:t>
+            </a:r>
+          </a:p>
+        </p:txBody>
+      </p:sp>
+      <p:sp>
+        <p:nvSpPr>
+          <p:cNvPr id="48" name="Rectangle: Rounded Corners 47">
+            <a:extLst>
+              <a:ext uri="{FF2B5EF4-FFF2-40B4-BE49-F238E27FC236}">
+                <a16:creationId xmlns:a16="http://schemas.microsoft.com/office/drawing/2014/main" id="{E2B80AE2-A9BC-41A0-B34C-5E3108BA37D4}"/>
+              </a:ext>
+            </a:extLst>
+          </p:cNvPr>
+          <p:cNvSpPr/>
+          <p:nvPr/>
+        </p:nvSpPr>
+        <p:spPr>
+          <a:xfrm>
+            <a:off x="6929688" y="4329102"/>
+            <a:ext cx="2623021" cy="360218"/>
+          </a:xfrm>
+          <a:prstGeom prst="roundRect">
+            <a:avLst/>
+          </a:prstGeom>
+        </p:spPr>
+        <p:style>
+          <a:lnRef idx="2">
+            <a:schemeClr val="accent1">
+              <a:shade val="15000"/>
+            </a:schemeClr>
+          </a:lnRef>
+          <a:fillRef idx="1">
+            <a:schemeClr val="accent1"/>
+          </a:fillRef>
+          <a:effectRef idx="0">
+            <a:schemeClr val="accent1"/>
+          </a:effectRef>
+          <a:fontRef idx="minor">
+            <a:schemeClr val="lt1"/>
+          </a:fontRef>
+        </p:style>
+        <p:txBody>
+          <a:bodyPr rtlCol="0" anchor="ctr"/>
+          <a:lstStyle/>
+          <a:p>
+            <a:pPr algn="ctr"/>
+            <a:r>
+              <a:rPr lang="en-IE" dirty="0"/>
+              <a:t>Dataset Cleaning</a:t>
+            </a:r>
+          </a:p>
+        </p:txBody>
+      </p:sp>
+      <p:sp>
+        <p:nvSpPr>
+          <p:cNvPr id="49" name="Rectangle: Rounded Corners 48">
+            <a:extLst>
+              <a:ext uri="{FF2B5EF4-FFF2-40B4-BE49-F238E27FC236}">
+                <a16:creationId xmlns:a16="http://schemas.microsoft.com/office/drawing/2014/main" id="{8C421522-670E-6CED-F091-2EF4D72DAA66}"/>
+              </a:ext>
+            </a:extLst>
+          </p:cNvPr>
+          <p:cNvSpPr/>
+          <p:nvPr/>
+        </p:nvSpPr>
+        <p:spPr>
+          <a:xfrm>
+            <a:off x="6929687" y="3872311"/>
+            <a:ext cx="2623021" cy="360218"/>
+          </a:xfrm>
+          <a:prstGeom prst="roundRect">
+            <a:avLst/>
+          </a:prstGeom>
+        </p:spPr>
+        <p:style>
+          <a:lnRef idx="2">
+            <a:schemeClr val="accent1">
+              <a:shade val="15000"/>
+            </a:schemeClr>
+          </a:lnRef>
+          <a:fillRef idx="1">
+            <a:schemeClr val="accent1"/>
+          </a:fillRef>
+          <a:effectRef idx="0">
+            <a:schemeClr val="accent1"/>
+          </a:effectRef>
+          <a:fontRef idx="minor">
+            <a:schemeClr val="lt1"/>
+          </a:fontRef>
+        </p:style>
+        <p:txBody>
+          <a:bodyPr rtlCol="0" anchor="ctr"/>
+          <a:lstStyle/>
+          <a:p>
+            <a:pPr algn="ctr"/>
+            <a:r>
+              <a:rPr lang="en-IE" dirty="0"/>
+              <a:t>Column wise cleaning</a:t>
+            </a:r>
+          </a:p>
+        </p:txBody>
+      </p:sp>
+      <p:sp>
+        <p:nvSpPr>
+          <p:cNvPr id="60" name="Rectangle: Rounded Corners 59">
+            <a:extLst>
+              <a:ext uri="{FF2B5EF4-FFF2-40B4-BE49-F238E27FC236}">
+                <a16:creationId xmlns:a16="http://schemas.microsoft.com/office/drawing/2014/main" id="{8DE00AB4-D531-598D-31EF-879A8B33419E}"/>
+              </a:ext>
+            </a:extLst>
+          </p:cNvPr>
+          <p:cNvSpPr/>
+          <p:nvPr/>
+        </p:nvSpPr>
+        <p:spPr>
+          <a:xfrm>
+            <a:off x="4020234" y="4329922"/>
+            <a:ext cx="2466109" cy="360218"/>
+          </a:xfrm>
+          <a:prstGeom prst="roundRect">
+            <a:avLst/>
+          </a:prstGeom>
+        </p:spPr>
+        <p:style>
+          <a:lnRef idx="2">
+            <a:schemeClr val="accent1">
+              <a:shade val="15000"/>
+            </a:schemeClr>
+          </a:lnRef>
+          <a:fillRef idx="1">
+            <a:schemeClr val="accent1"/>
+          </a:fillRef>
+          <a:effectRef idx="0">
+            <a:schemeClr val="accent1"/>
+          </a:effectRef>
+          <a:fontRef idx="minor">
+            <a:schemeClr val="lt1"/>
+          </a:fontRef>
+        </p:style>
+        <p:txBody>
+          <a:bodyPr rtlCol="0" anchor="ctr"/>
+          <a:lstStyle/>
+          <a:p>
+            <a:pPr algn="ctr"/>
+            <a:r>
+              <a:rPr lang="en-IE" dirty="0"/>
+              <a:t>Data Quality</a:t>
+            </a:r>
+          </a:p>
+        </p:txBody>
+      </p:sp>
+      <p:sp>
+        <p:nvSpPr>
+          <p:cNvPr id="61" name="Rectangle: Rounded Corners 60">
+            <a:extLst>
+              <a:ext uri="{FF2B5EF4-FFF2-40B4-BE49-F238E27FC236}">
+                <a16:creationId xmlns:a16="http://schemas.microsoft.com/office/drawing/2014/main" id="{83BB22AC-789D-AB65-AF98-CF409F1003F2}"/>
+              </a:ext>
+            </a:extLst>
+          </p:cNvPr>
+          <p:cNvSpPr/>
+          <p:nvPr/>
+        </p:nvSpPr>
+        <p:spPr>
+          <a:xfrm>
+            <a:off x="4020234" y="4759402"/>
+            <a:ext cx="2466109" cy="360218"/>
+          </a:xfrm>
+          <a:prstGeom prst="roundRect">
+            <a:avLst/>
+          </a:prstGeom>
+        </p:spPr>
+        <p:style>
+          <a:lnRef idx="2">
+            <a:schemeClr val="accent1">
+              <a:shade val="15000"/>
+            </a:schemeClr>
+          </a:lnRef>
+          <a:fillRef idx="1">
+            <a:schemeClr val="accent1"/>
+          </a:fillRef>
+          <a:effectRef idx="0">
+            <a:schemeClr val="accent1"/>
+          </a:effectRef>
+          <a:fontRef idx="minor">
+            <a:schemeClr val="lt1"/>
+          </a:fontRef>
+        </p:style>
+        <p:txBody>
+          <a:bodyPr rtlCol="0" anchor="ctr"/>
+          <a:lstStyle/>
+          <a:p>
+            <a:pPr algn="ctr"/>
+            <a:r>
+              <a:rPr lang="en-IE" dirty="0"/>
+              <a:t>Data Exploration</a:t>
+            </a:r>
+          </a:p>
+        </p:txBody>
+      </p:sp>
+      <p:cxnSp>
+        <p:nvCxnSpPr>
+          <p:cNvPr id="62" name="Connector: Elbow 61">
+            <a:extLst>
+              <a:ext uri="{FF2B5EF4-FFF2-40B4-BE49-F238E27FC236}">
+                <a16:creationId xmlns:a16="http://schemas.microsoft.com/office/drawing/2014/main" id="{029F3344-7CDC-DB7F-C6EE-BB968C233F32}"/>
+              </a:ext>
+            </a:extLst>
+          </p:cNvPr>
+          <p:cNvCxnSpPr>
+            <a:cxnSpLocks/>
+            <a:stCxn id="29" idx="2"/>
+            <a:endCxn id="46" idx="0"/>
+          </p:cNvCxnSpPr>
+          <p:nvPr/>
+        </p:nvCxnSpPr>
+        <p:spPr>
+          <a:xfrm rot="5400000">
+            <a:off x="4982924" y="3664280"/>
+            <a:ext cx="471060" cy="1264"/>
+          </a:xfrm>
+          <a:prstGeom prst="bentConnector3">
+            <a:avLst/>
+          </a:prstGeom>
+        </p:spPr>
+        <p:style>
+          <a:lnRef idx="1">
+            <a:schemeClr val="accent1"/>
+          </a:lnRef>
+          <a:fillRef idx="0">
+            <a:schemeClr val="accent1"/>
+          </a:fillRef>
+          <a:effectRef idx="0">
+            <a:schemeClr val="accent1"/>
+          </a:effectRef>
+          <a:fontRef idx="minor">
+            <a:schemeClr val="tx1"/>
+          </a:fontRef>
+        </p:style>
+      </p:cxnSp>
+      <p:sp>
+        <p:nvSpPr>
+          <p:cNvPr id="63" name="Rectangle: Rounded Corners 62">
+            <a:extLst>
+              <a:ext uri="{FF2B5EF4-FFF2-40B4-BE49-F238E27FC236}">
+                <a16:creationId xmlns:a16="http://schemas.microsoft.com/office/drawing/2014/main" id="{6E7DAD07-D2E0-3D11-9F19-68F92E5DCB39}"/>
+              </a:ext>
+            </a:extLst>
+          </p:cNvPr>
+          <p:cNvSpPr/>
+          <p:nvPr/>
+        </p:nvSpPr>
+        <p:spPr>
+          <a:xfrm>
+            <a:off x="6929688" y="4785875"/>
+            <a:ext cx="2623021" cy="541560"/>
+          </a:xfrm>
+          <a:prstGeom prst="roundRect">
+            <a:avLst/>
+          </a:prstGeom>
+        </p:spPr>
+        <p:style>
+          <a:lnRef idx="2">
+            <a:schemeClr val="accent1">
+              <a:shade val="15000"/>
+            </a:schemeClr>
+          </a:lnRef>
+          <a:fillRef idx="1">
+            <a:schemeClr val="accent1"/>
+          </a:fillRef>
+          <a:effectRef idx="0">
+            <a:schemeClr val="accent1"/>
+          </a:effectRef>
+          <a:fontRef idx="minor">
+            <a:schemeClr val="lt1"/>
+          </a:fontRef>
+        </p:style>
+        <p:txBody>
+          <a:bodyPr rtlCol="0" anchor="ctr"/>
+          <a:lstStyle/>
+          <a:p>
+            <a:pPr algn="ctr"/>
+            <a:r>
+              <a:rPr lang="en-IE" dirty="0"/>
+              <a:t>Download &amp; Upload cleaning rules	</a:t>
+            </a:r>
+          </a:p>
+        </p:txBody>
+      </p:sp>
+      <p:sp>
+        <p:nvSpPr>
+          <p:cNvPr id="68" name="Rectangle: Rounded Corners 67">
+            <a:extLst>
+              <a:ext uri="{FF2B5EF4-FFF2-40B4-BE49-F238E27FC236}">
+                <a16:creationId xmlns:a16="http://schemas.microsoft.com/office/drawing/2014/main" id="{87CC3BEA-48F4-6A54-9860-F56AB757D214}"/>
+              </a:ext>
+            </a:extLst>
+          </p:cNvPr>
+          <p:cNvSpPr/>
+          <p:nvPr/>
+        </p:nvSpPr>
+        <p:spPr>
+          <a:xfrm>
+            <a:off x="9484553" y="2763982"/>
+            <a:ext cx="2077065" cy="360218"/>
+          </a:xfrm>
+          <a:prstGeom prst="roundRect">
+            <a:avLst/>
+          </a:prstGeom>
+        </p:spPr>
+        <p:style>
+          <a:lnRef idx="2">
+            <a:schemeClr val="accent1">
+              <a:shade val="15000"/>
+            </a:schemeClr>
+          </a:lnRef>
+          <a:fillRef idx="1">
+            <a:schemeClr val="accent1"/>
+          </a:fillRef>
+          <a:effectRef idx="0">
+            <a:schemeClr val="accent1"/>
+          </a:effectRef>
+          <a:fontRef idx="minor">
+            <a:schemeClr val="lt1"/>
+          </a:fontRef>
+        </p:style>
+        <p:txBody>
+          <a:bodyPr rtlCol="0" anchor="ctr"/>
+          <a:lstStyle/>
+          <a:p>
+            <a:pPr algn="ctr"/>
+            <a:r>
+              <a:rPr lang="en-IE" dirty="0"/>
+              <a:t>Export Clean Data</a:t>
+            </a:r>
+          </a:p>
+        </p:txBody>
+      </p:sp>
+      <p:sp>
+        <p:nvSpPr>
+          <p:cNvPr id="69" name="Rectangle: Rounded Corners 68">
+            <a:extLst>
+              <a:ext uri="{FF2B5EF4-FFF2-40B4-BE49-F238E27FC236}">
+                <a16:creationId xmlns:a16="http://schemas.microsoft.com/office/drawing/2014/main" id="{9976F982-C9F7-9776-8B67-DB1305A5487E}"/>
+              </a:ext>
+            </a:extLst>
+          </p:cNvPr>
+          <p:cNvSpPr/>
+          <p:nvPr/>
+        </p:nvSpPr>
+        <p:spPr>
+          <a:xfrm>
+            <a:off x="10308902" y="3553695"/>
+            <a:ext cx="1759527" cy="360218"/>
+          </a:xfrm>
+          <a:prstGeom prst="roundRect">
+            <a:avLst/>
+          </a:prstGeom>
+        </p:spPr>
+        <p:style>
+          <a:lnRef idx="2">
+            <a:schemeClr val="accent1">
+              <a:shade val="15000"/>
+            </a:schemeClr>
+          </a:lnRef>
+          <a:fillRef idx="1">
+            <a:schemeClr val="accent1"/>
+          </a:fillRef>
+          <a:effectRef idx="0">
+            <a:schemeClr val="accent1"/>
+          </a:effectRef>
+          <a:fontRef idx="minor">
+            <a:schemeClr val="lt1"/>
+          </a:fontRef>
+        </p:style>
+        <p:txBody>
+          <a:bodyPr rtlCol="0" anchor="ctr"/>
+          <a:lstStyle/>
+          <a:p>
+            <a:pPr algn="ctr"/>
+            <a:r>
+              <a:rPr lang="en-IE" dirty="0"/>
+              <a:t>CSV</a:t>
+            </a:r>
+          </a:p>
+        </p:txBody>
+      </p:sp>
+      <p:sp>
+        <p:nvSpPr>
+          <p:cNvPr id="71" name="Rectangle: Rounded Corners 70">
+            <a:extLst>
+              <a:ext uri="{FF2B5EF4-FFF2-40B4-BE49-F238E27FC236}">
+                <a16:creationId xmlns:a16="http://schemas.microsoft.com/office/drawing/2014/main" id="{EF3EBF84-5482-9942-6ADB-73EEFCE1D622}"/>
+              </a:ext>
+            </a:extLst>
+          </p:cNvPr>
+          <p:cNvSpPr/>
+          <p:nvPr/>
+        </p:nvSpPr>
+        <p:spPr>
+          <a:xfrm>
+            <a:off x="10308901" y="4010908"/>
+            <a:ext cx="1759527" cy="360218"/>
+          </a:xfrm>
+          <a:prstGeom prst="roundRect">
+            <a:avLst/>
+          </a:prstGeom>
+        </p:spPr>
+        <p:style>
+          <a:lnRef idx="2">
+            <a:schemeClr val="accent1">
+              <a:shade val="15000"/>
+            </a:schemeClr>
+          </a:lnRef>
+          <a:fillRef idx="1">
+            <a:schemeClr val="accent1"/>
+          </a:fillRef>
+          <a:effectRef idx="0">
+            <a:schemeClr val="accent1"/>
+          </a:effectRef>
+          <a:fontRef idx="minor">
+            <a:schemeClr val="lt1"/>
+          </a:fontRef>
+        </p:style>
+        <p:txBody>
+          <a:bodyPr rtlCol="0" anchor="ctr"/>
+          <a:lstStyle/>
+          <a:p>
+            <a:pPr algn="ctr"/>
+            <a:r>
+              <a:rPr lang="en-IE" dirty="0"/>
+              <a:t>Excel</a:t>
+            </a:r>
+          </a:p>
+        </p:txBody>
+      </p:sp>
+      <p:cxnSp>
+        <p:nvCxnSpPr>
+          <p:cNvPr id="72" name="Connector: Elbow 71">
+            <a:extLst>
+              <a:ext uri="{FF2B5EF4-FFF2-40B4-BE49-F238E27FC236}">
+                <a16:creationId xmlns:a16="http://schemas.microsoft.com/office/drawing/2014/main" id="{38F99EC8-D3A5-3EB4-4C88-D3330D40DB87}"/>
+              </a:ext>
+            </a:extLst>
+          </p:cNvPr>
+          <p:cNvCxnSpPr>
+            <a:cxnSpLocks/>
+            <a:stCxn id="30" idx="2"/>
+          </p:cNvCxnSpPr>
+          <p:nvPr/>
+        </p:nvCxnSpPr>
+        <p:spPr>
+          <a:xfrm rot="5400000">
+            <a:off x="7680435" y="3654518"/>
+            <a:ext cx="450268" cy="1"/>
+          </a:xfrm>
+          <a:prstGeom prst="bentConnector3">
+            <a:avLst/>
+          </a:prstGeom>
+        </p:spPr>
+        <p:style>
+          <a:lnRef idx="1">
+            <a:schemeClr val="accent1"/>
+          </a:lnRef>
+          <a:fillRef idx="0">
+            <a:schemeClr val="accent1"/>
+          </a:fillRef>
+          <a:effectRef idx="0">
+            <a:schemeClr val="accent1"/>
+          </a:effectRef>
+          <a:fontRef idx="minor">
+            <a:schemeClr val="tx1"/>
+          </a:fontRef>
+        </p:style>
+      </p:cxnSp>
+      <p:cxnSp>
+        <p:nvCxnSpPr>
+          <p:cNvPr id="77" name="Connector: Elbow 76">
+            <a:extLst>
+              <a:ext uri="{FF2B5EF4-FFF2-40B4-BE49-F238E27FC236}">
+                <a16:creationId xmlns:a16="http://schemas.microsoft.com/office/drawing/2014/main" id="{36C10223-8172-79D7-CA2E-F85593C4D745}"/>
+              </a:ext>
+            </a:extLst>
+          </p:cNvPr>
+          <p:cNvCxnSpPr>
+            <a:cxnSpLocks/>
+            <a:endCxn id="69" idx="1"/>
+          </p:cNvCxnSpPr>
+          <p:nvPr/>
+        </p:nvCxnSpPr>
+        <p:spPr>
+          <a:xfrm rot="16200000" flipH="1">
+            <a:off x="9748546" y="3173448"/>
+            <a:ext cx="630414" cy="490298"/>
+          </a:xfrm>
+          <a:prstGeom prst="bentConnector2">
+            <a:avLst/>
+          </a:prstGeom>
+        </p:spPr>
+        <p:style>
+          <a:lnRef idx="1">
+            <a:schemeClr val="accent1"/>
+          </a:lnRef>
+          <a:fillRef idx="0">
+            <a:schemeClr val="accent1"/>
+          </a:fillRef>
+          <a:effectRef idx="0">
+            <a:schemeClr val="accent1"/>
+          </a:effectRef>
+          <a:fontRef idx="minor">
+            <a:schemeClr val="tx1"/>
+          </a:fontRef>
+        </p:style>
+      </p:cxnSp>
+      <p:cxnSp>
+        <p:nvCxnSpPr>
+          <p:cNvPr id="78" name="Connector: Elbow 77">
+            <a:extLst>
+              <a:ext uri="{FF2B5EF4-FFF2-40B4-BE49-F238E27FC236}">
+                <a16:creationId xmlns:a16="http://schemas.microsoft.com/office/drawing/2014/main" id="{5ED7756D-2C8A-90C3-1F55-FB4DD1B822A3}"/>
+              </a:ext>
+            </a:extLst>
+          </p:cNvPr>
+          <p:cNvCxnSpPr>
+            <a:cxnSpLocks/>
+            <a:endCxn id="71" idx="1"/>
+          </p:cNvCxnSpPr>
+          <p:nvPr/>
+        </p:nvCxnSpPr>
+        <p:spPr>
+          <a:xfrm rot="16200000" flipH="1">
+            <a:off x="9519939" y="3402054"/>
+            <a:ext cx="1087627" cy="490297"/>
+          </a:xfrm>
+          <a:prstGeom prst="bentConnector2">
+            <a:avLst/>
+          </a:prstGeom>
+        </p:spPr>
+        <p:style>
+          <a:lnRef idx="1">
+            <a:schemeClr val="accent1"/>
+          </a:lnRef>
+          <a:fillRef idx="0">
+            <a:schemeClr val="accent1"/>
+          </a:fillRef>
+          <a:effectRef idx="0">
+            <a:schemeClr val="accent1"/>
+          </a:effectRef>
+          <a:fontRef idx="minor">
+            <a:schemeClr val="tx1"/>
+          </a:fontRef>
+        </p:style>
+      </p:cxnSp>
+      <p:cxnSp>
+        <p:nvCxnSpPr>
+          <p:cNvPr id="79" name="Straight Connector 78">
+            <a:extLst>
+              <a:ext uri="{FF2B5EF4-FFF2-40B4-BE49-F238E27FC236}">
+                <a16:creationId xmlns:a16="http://schemas.microsoft.com/office/drawing/2014/main" id="{2CBAA347-2BBD-5632-D7AB-E746D0F504FA}"/>
+              </a:ext>
+            </a:extLst>
+          </p:cNvPr>
+          <p:cNvCxnSpPr>
+            <a:cxnSpLocks/>
+          </p:cNvCxnSpPr>
+          <p:nvPr/>
+        </p:nvCxnSpPr>
+        <p:spPr>
+          <a:xfrm flipH="1">
+            <a:off x="12568489" y="3429382"/>
+            <a:ext cx="1" cy="397936"/>
+          </a:xfrm>
+          <a:prstGeom prst="line">
+            <a:avLst/>
+          </a:prstGeom>
+        </p:spPr>
+        <p:style>
+          <a:lnRef idx="1">
+            <a:schemeClr val="accent1"/>
+          </a:lnRef>
+          <a:fillRef idx="0">
+            <a:schemeClr val="accent1"/>
+          </a:fillRef>
+          <a:effectRef idx="0">
+            <a:schemeClr val="accent1"/>
+          </a:effectRef>
+          <a:fontRef idx="minor">
+            <a:schemeClr val="tx1"/>
+          </a:fontRef>
+        </p:style>
+      </p:cxnSp>
+      <p:cxnSp>
+        <p:nvCxnSpPr>
+          <p:cNvPr id="81" name="Connector: Elbow 80">
+            <a:extLst>
+              <a:ext uri="{FF2B5EF4-FFF2-40B4-BE49-F238E27FC236}">
+                <a16:creationId xmlns:a16="http://schemas.microsoft.com/office/drawing/2014/main" id="{ECA6791F-D731-1110-3D99-B51B03DB925D}"/>
+              </a:ext>
+            </a:extLst>
+          </p:cNvPr>
+          <p:cNvCxnSpPr>
+            <a:stCxn id="4" idx="2"/>
+            <a:endCxn id="27" idx="0"/>
+          </p:cNvCxnSpPr>
+          <p:nvPr/>
+        </p:nvCxnSpPr>
+        <p:spPr>
+          <a:xfrm rot="16200000" flipH="1">
+            <a:off x="6608864" y="581645"/>
+            <a:ext cx="306725" cy="1332452"/>
+          </a:xfrm>
+          <a:prstGeom prst="bentConnector3">
+            <a:avLst/>
+          </a:prstGeom>
+        </p:spPr>
+        <p:style>
+          <a:lnRef idx="1">
+            <a:schemeClr val="accent1"/>
+          </a:lnRef>
+          <a:fillRef idx="0">
+            <a:schemeClr val="accent1"/>
+          </a:fillRef>
+          <a:effectRef idx="0">
+            <a:schemeClr val="accent1"/>
+          </a:effectRef>
+          <a:fontRef idx="minor">
+            <a:schemeClr val="tx1"/>
+          </a:fontRef>
+        </p:style>
+      </p:cxnSp>
+      <p:sp>
+        <p:nvSpPr>
+          <p:cNvPr id="83" name="Rectangle: Rounded Corners 82">
+            <a:extLst>
+              <a:ext uri="{FF2B5EF4-FFF2-40B4-BE49-F238E27FC236}">
+                <a16:creationId xmlns:a16="http://schemas.microsoft.com/office/drawing/2014/main" id="{C7BD101B-D07D-12A4-B42B-2764F8E28A8E}"/>
+              </a:ext>
+            </a:extLst>
+          </p:cNvPr>
+          <p:cNvSpPr/>
+          <p:nvPr/>
+        </p:nvSpPr>
+        <p:spPr>
+          <a:xfrm>
+            <a:off x="2177581" y="2763982"/>
+            <a:ext cx="1420091" cy="665018"/>
+          </a:xfrm>
+          <a:prstGeom prst="roundRect">
+            <a:avLst/>
+          </a:prstGeom>
+        </p:spPr>
+        <p:style>
+          <a:lnRef idx="2">
+            <a:schemeClr val="accent1">
+              <a:shade val="15000"/>
+            </a:schemeClr>
+          </a:lnRef>
+          <a:fillRef idx="1">
+            <a:schemeClr val="accent1"/>
+          </a:fillRef>
+          <a:effectRef idx="0">
+            <a:schemeClr val="accent1"/>
+          </a:effectRef>
+          <a:fontRef idx="minor">
+            <a:schemeClr val="lt1"/>
+          </a:fontRef>
+        </p:style>
+        <p:txBody>
+          <a:bodyPr rtlCol="0" anchor="ctr"/>
+          <a:lstStyle/>
+          <a:p>
+            <a:pPr algn="ctr"/>
+            <a:r>
+              <a:rPr lang="en-IE" dirty="0"/>
+              <a:t>Data Preview</a:t>
+            </a:r>
+          </a:p>
+        </p:txBody>
+      </p:sp>
+      <p:cxnSp>
+        <p:nvCxnSpPr>
+          <p:cNvPr id="85" name="Connector: Elbow 84">
+            <a:extLst>
+              <a:ext uri="{FF2B5EF4-FFF2-40B4-BE49-F238E27FC236}">
+                <a16:creationId xmlns:a16="http://schemas.microsoft.com/office/drawing/2014/main" id="{1BBCD12E-4E49-CA1D-26A7-57060746CD5B}"/>
+              </a:ext>
+            </a:extLst>
+          </p:cNvPr>
+          <p:cNvCxnSpPr>
+            <a:stCxn id="83" idx="0"/>
+            <a:endCxn id="27" idx="2"/>
+          </p:cNvCxnSpPr>
+          <p:nvPr/>
+        </p:nvCxnSpPr>
+        <p:spPr>
+          <a:xfrm rot="5400000" flipH="1" flipV="1">
+            <a:off x="4752986" y="88517"/>
+            <a:ext cx="810106" cy="4540825"/>
+          </a:xfrm>
+          <a:prstGeom prst="bentConnector3">
+            <a:avLst/>
+          </a:prstGeom>
+        </p:spPr>
+        <p:style>
+          <a:lnRef idx="1">
+            <a:schemeClr val="accent1"/>
+          </a:lnRef>
+          <a:fillRef idx="0">
+            <a:schemeClr val="accent1"/>
+          </a:fillRef>
+          <a:effectRef idx="0">
+            <a:schemeClr val="accent1"/>
+          </a:effectRef>
+          <a:fontRef idx="minor">
+            <a:schemeClr val="tx1"/>
+          </a:fontRef>
+        </p:style>
+      </p:cxnSp>
+      <p:cxnSp>
+        <p:nvCxnSpPr>
+          <p:cNvPr id="89" name="Connector: Elbow 88">
+            <a:extLst>
+              <a:ext uri="{FF2B5EF4-FFF2-40B4-BE49-F238E27FC236}">
+                <a16:creationId xmlns:a16="http://schemas.microsoft.com/office/drawing/2014/main" id="{8D2F04C1-16AD-5058-0ADE-2651553F9213}"/>
+              </a:ext>
+            </a:extLst>
+          </p:cNvPr>
+          <p:cNvCxnSpPr>
+            <a:cxnSpLocks/>
+            <a:stCxn id="27" idx="2"/>
+            <a:endCxn id="68" idx="0"/>
+          </p:cNvCxnSpPr>
+          <p:nvPr/>
+        </p:nvCxnSpPr>
+        <p:spPr>
+          <a:xfrm rot="16200000" flipH="1">
+            <a:off x="8570716" y="811612"/>
+            <a:ext cx="810106" cy="3094634"/>
+          </a:xfrm>
+          <a:prstGeom prst="bentConnector3">
+            <a:avLst/>
+          </a:prstGeom>
+        </p:spPr>
+        <p:style>
+          <a:lnRef idx="1">
+            <a:schemeClr val="accent1"/>
+          </a:lnRef>
+          <a:fillRef idx="0">
+            <a:schemeClr val="accent1"/>
+          </a:fillRef>
+          <a:effectRef idx="0">
+            <a:schemeClr val="accent1"/>
+          </a:effectRef>
+          <a:fontRef idx="minor">
+            <a:schemeClr val="tx1"/>
+          </a:fontRef>
+        </p:style>
+      </p:cxnSp>
+      <p:sp>
+        <p:nvSpPr>
+          <p:cNvPr id="91" name="Rectangle: Rounded Corners 90">
+            <a:extLst>
+              <a:ext uri="{FF2B5EF4-FFF2-40B4-BE49-F238E27FC236}">
+                <a16:creationId xmlns:a16="http://schemas.microsoft.com/office/drawing/2014/main" id="{F924FFBC-CD95-B414-0807-223A0C601963}"/>
+              </a:ext>
+            </a:extLst>
+          </p:cNvPr>
+          <p:cNvSpPr/>
+          <p:nvPr/>
+        </p:nvSpPr>
+        <p:spPr>
+          <a:xfrm>
+            <a:off x="263738" y="3699543"/>
+            <a:ext cx="2732811" cy="360218"/>
+          </a:xfrm>
+          <a:prstGeom prst="roundRect">
+            <a:avLst/>
+          </a:prstGeom>
+        </p:spPr>
+        <p:style>
+          <a:lnRef idx="2">
+            <a:schemeClr val="accent1">
+              <a:shade val="15000"/>
+            </a:schemeClr>
+          </a:lnRef>
+          <a:fillRef idx="1">
+            <a:schemeClr val="accent1"/>
+          </a:fillRef>
+          <a:effectRef idx="0">
+            <a:schemeClr val="accent1"/>
+          </a:effectRef>
+          <a:fontRef idx="minor">
+            <a:schemeClr val="lt1"/>
+          </a:fontRef>
+        </p:style>
+        <p:txBody>
+          <a:bodyPr rtlCol="0" anchor="ctr"/>
+          <a:lstStyle/>
+          <a:p>
+            <a:pPr algn="ctr"/>
+            <a:r>
+              <a:rPr lang="en-IE" dirty="0"/>
+              <a:t>Unique values chart</a:t>
+            </a:r>
+          </a:p>
+        </p:txBody>
+      </p:sp>
+      <p:sp>
+        <p:nvSpPr>
+          <p:cNvPr id="92" name="Rectangle: Rounded Corners 91">
+            <a:extLst>
+              <a:ext uri="{FF2B5EF4-FFF2-40B4-BE49-F238E27FC236}">
+                <a16:creationId xmlns:a16="http://schemas.microsoft.com/office/drawing/2014/main" id="{3B7E18FC-AA6C-2C54-FC76-EC9FF8D25AB4}"/>
+              </a:ext>
+            </a:extLst>
+          </p:cNvPr>
+          <p:cNvSpPr/>
+          <p:nvPr/>
+        </p:nvSpPr>
+        <p:spPr>
+          <a:xfrm>
+            <a:off x="279528" y="4164599"/>
+            <a:ext cx="2732811" cy="360218"/>
+          </a:xfrm>
+          <a:prstGeom prst="roundRect">
+            <a:avLst/>
+          </a:prstGeom>
+        </p:spPr>
+        <p:style>
+          <a:lnRef idx="2">
+            <a:schemeClr val="accent1">
+              <a:shade val="15000"/>
+            </a:schemeClr>
+          </a:lnRef>
+          <a:fillRef idx="1">
+            <a:schemeClr val="accent1"/>
+          </a:fillRef>
+          <a:effectRef idx="0">
+            <a:schemeClr val="accent1"/>
+          </a:effectRef>
+          <a:fontRef idx="minor">
+            <a:schemeClr val="lt1"/>
+          </a:fontRef>
+        </p:style>
+        <p:txBody>
+          <a:bodyPr rtlCol="0" anchor="ctr"/>
+          <a:lstStyle/>
+          <a:p>
+            <a:pPr algn="ctr"/>
+            <a:r>
+              <a:rPr lang="en-IE" dirty="0"/>
+              <a:t>Distribution of Data Types</a:t>
+            </a:r>
+          </a:p>
+        </p:txBody>
+      </p:sp>
+      <p:sp>
+        <p:nvSpPr>
+          <p:cNvPr id="93" name="Rectangle: Rounded Corners 92">
+            <a:extLst>
+              <a:ext uri="{FF2B5EF4-FFF2-40B4-BE49-F238E27FC236}">
+                <a16:creationId xmlns:a16="http://schemas.microsoft.com/office/drawing/2014/main" id="{45C17088-D3FD-81C2-8079-20B5A00D567F}"/>
+              </a:ext>
+            </a:extLst>
+          </p:cNvPr>
+          <p:cNvSpPr/>
+          <p:nvPr/>
+        </p:nvSpPr>
+        <p:spPr>
+          <a:xfrm>
+            <a:off x="245916" y="4629655"/>
+            <a:ext cx="2768011" cy="360218"/>
+          </a:xfrm>
+          <a:prstGeom prst="roundRect">
+            <a:avLst/>
+          </a:prstGeom>
+        </p:spPr>
+        <p:style>
+          <a:lnRef idx="2">
+            <a:schemeClr val="accent1">
+              <a:shade val="15000"/>
+            </a:schemeClr>
+          </a:lnRef>
+          <a:fillRef idx="1">
+            <a:schemeClr val="accent1"/>
+          </a:fillRef>
+          <a:effectRef idx="0">
+            <a:schemeClr val="accent1"/>
+          </a:effectRef>
+          <a:fontRef idx="minor">
+            <a:schemeClr val="lt1"/>
+          </a:fontRef>
+        </p:style>
+        <p:txBody>
+          <a:bodyPr rtlCol="0" anchor="ctr"/>
+          <a:lstStyle/>
+          <a:p>
+            <a:pPr algn="ctr"/>
+            <a:r>
+              <a:rPr lang="en-IE"/>
+              <a:t>Data Quality Score</a:t>
+            </a:r>
+            <a:endParaRPr lang="en-IE" dirty="0"/>
+          </a:p>
+        </p:txBody>
+      </p:sp>
+      <p:sp>
+        <p:nvSpPr>
+          <p:cNvPr id="94" name="Rectangle: Rounded Corners 93">
+            <a:extLst>
+              <a:ext uri="{FF2B5EF4-FFF2-40B4-BE49-F238E27FC236}">
+                <a16:creationId xmlns:a16="http://schemas.microsoft.com/office/drawing/2014/main" id="{57813C4D-BC35-9834-572C-520BA1D60427}"/>
+              </a:ext>
+            </a:extLst>
+          </p:cNvPr>
+          <p:cNvSpPr/>
+          <p:nvPr/>
+        </p:nvSpPr>
+        <p:spPr>
+          <a:xfrm>
+            <a:off x="245916" y="5079923"/>
+            <a:ext cx="2768011" cy="360218"/>
+          </a:xfrm>
+          <a:prstGeom prst="roundRect">
+            <a:avLst/>
+          </a:prstGeom>
+        </p:spPr>
+        <p:style>
+          <a:lnRef idx="2">
+            <a:schemeClr val="accent1">
+              <a:shade val="15000"/>
+            </a:schemeClr>
+          </a:lnRef>
+          <a:fillRef idx="1">
+            <a:schemeClr val="accent1"/>
+          </a:fillRef>
+          <a:effectRef idx="0">
+            <a:schemeClr val="accent1"/>
+          </a:effectRef>
+          <a:fontRef idx="minor">
+            <a:schemeClr val="lt1"/>
+          </a:fontRef>
+        </p:style>
+        <p:txBody>
+          <a:bodyPr rtlCol="0" anchor="ctr"/>
+          <a:lstStyle/>
+          <a:p>
+            <a:pPr algn="ctr"/>
+            <a:r>
+              <a:rPr lang="en-IE" dirty="0"/>
+              <a:t>Missing Values Chart</a:t>
+            </a:r>
+          </a:p>
+        </p:txBody>
+      </p:sp>
+      <p:sp>
+        <p:nvSpPr>
+          <p:cNvPr id="95" name="Rectangle: Rounded Corners 94">
+            <a:extLst>
+              <a:ext uri="{FF2B5EF4-FFF2-40B4-BE49-F238E27FC236}">
+                <a16:creationId xmlns:a16="http://schemas.microsoft.com/office/drawing/2014/main" id="{D07C5862-FD02-520B-4759-34305CB1F31F}"/>
+              </a:ext>
+            </a:extLst>
+          </p:cNvPr>
+          <p:cNvSpPr/>
+          <p:nvPr/>
+        </p:nvSpPr>
+        <p:spPr>
+          <a:xfrm>
+            <a:off x="245916" y="5545363"/>
+            <a:ext cx="2768011" cy="360218"/>
+          </a:xfrm>
+          <a:prstGeom prst="roundRect">
+            <a:avLst/>
+          </a:prstGeom>
+        </p:spPr>
+        <p:style>
+          <a:lnRef idx="2">
+            <a:schemeClr val="accent1">
+              <a:shade val="15000"/>
+            </a:schemeClr>
+          </a:lnRef>
+          <a:fillRef idx="1">
+            <a:schemeClr val="accent1"/>
+          </a:fillRef>
+          <a:effectRef idx="0">
+            <a:schemeClr val="accent1"/>
+          </a:effectRef>
+          <a:fontRef idx="minor">
+            <a:schemeClr val="lt1"/>
+          </a:fontRef>
+        </p:style>
+        <p:txBody>
+          <a:bodyPr rtlCol="0" anchor="ctr"/>
+          <a:lstStyle/>
+          <a:p>
+            <a:pPr algn="ctr"/>
+            <a:r>
+              <a:rPr lang="en-IE" dirty="0"/>
+              <a:t>Most Prevalent Instance</a:t>
+            </a:r>
+          </a:p>
+        </p:txBody>
+      </p:sp>
+      <p:sp>
+        <p:nvSpPr>
+          <p:cNvPr id="96" name="Rectangle: Rounded Corners 95">
+            <a:extLst>
+              <a:ext uri="{FF2B5EF4-FFF2-40B4-BE49-F238E27FC236}">
+                <a16:creationId xmlns:a16="http://schemas.microsoft.com/office/drawing/2014/main" id="{A296703B-B6B2-9CA9-449A-11160281958D}"/>
+              </a:ext>
+            </a:extLst>
+          </p:cNvPr>
+          <p:cNvSpPr/>
+          <p:nvPr/>
+        </p:nvSpPr>
+        <p:spPr>
+          <a:xfrm>
+            <a:off x="228537" y="6010419"/>
+            <a:ext cx="2768011" cy="360218"/>
+          </a:xfrm>
+          <a:prstGeom prst="roundRect">
+            <a:avLst/>
+          </a:prstGeom>
+        </p:spPr>
+        <p:style>
+          <a:lnRef idx="2">
+            <a:schemeClr val="accent1">
+              <a:shade val="15000"/>
+            </a:schemeClr>
+          </a:lnRef>
+          <a:fillRef idx="1">
+            <a:schemeClr val="accent1"/>
+          </a:fillRef>
+          <a:effectRef idx="0">
+            <a:schemeClr val="accent1"/>
+          </a:effectRef>
+          <a:fontRef idx="minor">
+            <a:schemeClr val="lt1"/>
+          </a:fontRef>
+        </p:style>
+        <p:txBody>
+          <a:bodyPr rtlCol="0" anchor="ctr"/>
+          <a:lstStyle/>
+          <a:p>
+            <a:pPr algn="ctr"/>
+            <a:r>
+              <a:rPr lang="en-IE" dirty="0"/>
+              <a:t>Corelation charts</a:t>
+            </a:r>
+          </a:p>
+        </p:txBody>
+      </p:sp>
+      <p:cxnSp>
+        <p:nvCxnSpPr>
+          <p:cNvPr id="98" name="Connector: Elbow 97">
+            <a:extLst>
+              <a:ext uri="{FF2B5EF4-FFF2-40B4-BE49-F238E27FC236}">
+                <a16:creationId xmlns:a16="http://schemas.microsoft.com/office/drawing/2014/main" id="{16F82D09-DF1A-6AEF-24D3-349B8E7077C0}"/>
+              </a:ext>
+            </a:extLst>
+          </p:cNvPr>
+          <p:cNvCxnSpPr>
+            <a:stCxn id="46" idx="1"/>
+            <a:endCxn id="91" idx="3"/>
+          </p:cNvCxnSpPr>
+          <p:nvPr/>
+        </p:nvCxnSpPr>
+        <p:spPr>
+          <a:xfrm rot="10800000">
+            <a:off x="2996549" y="3879653"/>
+            <a:ext cx="988218" cy="200899"/>
+          </a:xfrm>
+          <a:prstGeom prst="bentConnector3">
+            <a:avLst/>
+          </a:prstGeom>
+        </p:spPr>
+        <p:style>
+          <a:lnRef idx="1">
+            <a:schemeClr val="accent1"/>
+          </a:lnRef>
+          <a:fillRef idx="0">
+            <a:schemeClr val="accent1"/>
+          </a:fillRef>
+          <a:effectRef idx="0">
+            <a:schemeClr val="accent1"/>
+          </a:effectRef>
+          <a:fontRef idx="minor">
+            <a:schemeClr val="tx1"/>
+          </a:fontRef>
+        </p:style>
+      </p:cxnSp>
+      <p:cxnSp>
+        <p:nvCxnSpPr>
+          <p:cNvPr id="100" name="Connector: Elbow 99">
+            <a:extLst>
+              <a:ext uri="{FF2B5EF4-FFF2-40B4-BE49-F238E27FC236}">
+                <a16:creationId xmlns:a16="http://schemas.microsoft.com/office/drawing/2014/main" id="{62EFB2AD-4C67-E7D8-82EC-C14A7F8FED8A}"/>
+              </a:ext>
+            </a:extLst>
+          </p:cNvPr>
+          <p:cNvCxnSpPr>
+            <a:stCxn id="46" idx="1"/>
+            <a:endCxn id="92" idx="3"/>
+          </p:cNvCxnSpPr>
+          <p:nvPr/>
+        </p:nvCxnSpPr>
+        <p:spPr>
+          <a:xfrm rot="10800000" flipV="1">
+            <a:off x="3012339" y="4080550"/>
+            <a:ext cx="972428" cy="264157"/>
+          </a:xfrm>
+          <a:prstGeom prst="bentConnector3">
+            <a:avLst/>
+          </a:prstGeom>
+        </p:spPr>
+        <p:style>
+          <a:lnRef idx="1">
+            <a:schemeClr val="accent1"/>
+          </a:lnRef>
+          <a:fillRef idx="0">
+            <a:schemeClr val="accent1"/>
+          </a:fillRef>
+          <a:effectRef idx="0">
+            <a:schemeClr val="accent1"/>
+          </a:effectRef>
+          <a:fontRef idx="minor">
+            <a:schemeClr val="tx1"/>
+          </a:fontRef>
+        </p:style>
+      </p:cxnSp>
+      <p:cxnSp>
+        <p:nvCxnSpPr>
+          <p:cNvPr id="102" name="Connector: Elbow 101">
+            <a:extLst>
+              <a:ext uri="{FF2B5EF4-FFF2-40B4-BE49-F238E27FC236}">
+                <a16:creationId xmlns:a16="http://schemas.microsoft.com/office/drawing/2014/main" id="{1161C45C-1518-B0CD-AA66-2BD190A59967}"/>
+              </a:ext>
+            </a:extLst>
+          </p:cNvPr>
+          <p:cNvCxnSpPr>
+            <a:stCxn id="60" idx="1"/>
+            <a:endCxn id="93" idx="3"/>
+          </p:cNvCxnSpPr>
+          <p:nvPr/>
+        </p:nvCxnSpPr>
+        <p:spPr>
+          <a:xfrm rot="10800000" flipV="1">
+            <a:off x="3013928" y="4510030"/>
+            <a:ext cx="1006307" cy="299733"/>
+          </a:xfrm>
+          <a:prstGeom prst="bentConnector3">
+            <a:avLst/>
+          </a:prstGeom>
+        </p:spPr>
+        <p:style>
+          <a:lnRef idx="1">
+            <a:schemeClr val="accent1"/>
+          </a:lnRef>
+          <a:fillRef idx="0">
+            <a:schemeClr val="accent1"/>
+          </a:fillRef>
+          <a:effectRef idx="0">
+            <a:schemeClr val="accent1"/>
+          </a:effectRef>
+          <a:fontRef idx="minor">
+            <a:schemeClr val="tx1"/>
+          </a:fontRef>
+        </p:style>
+      </p:cxnSp>
+      <p:cxnSp>
+        <p:nvCxnSpPr>
+          <p:cNvPr id="104" name="Connector: Elbow 103">
+            <a:extLst>
+              <a:ext uri="{FF2B5EF4-FFF2-40B4-BE49-F238E27FC236}">
+                <a16:creationId xmlns:a16="http://schemas.microsoft.com/office/drawing/2014/main" id="{AD6461EC-90E6-BE2E-5249-FA3798929109}"/>
+              </a:ext>
+            </a:extLst>
+          </p:cNvPr>
+          <p:cNvCxnSpPr>
+            <a:stCxn id="60" idx="1"/>
+            <a:endCxn id="94" idx="3"/>
+          </p:cNvCxnSpPr>
+          <p:nvPr/>
+        </p:nvCxnSpPr>
+        <p:spPr>
+          <a:xfrm rot="10800000" flipV="1">
+            <a:off x="3013928" y="4510030"/>
+            <a:ext cx="1006307" cy="750001"/>
+          </a:xfrm>
+          <a:prstGeom prst="bentConnector3">
+            <a:avLst/>
+          </a:prstGeom>
+        </p:spPr>
+        <p:style>
+          <a:lnRef idx="1">
+            <a:schemeClr val="accent1"/>
+          </a:lnRef>
+          <a:fillRef idx="0">
+            <a:schemeClr val="accent1"/>
+          </a:fillRef>
+          <a:effectRef idx="0">
+            <a:schemeClr val="accent1"/>
+          </a:effectRef>
+          <a:fontRef idx="minor">
+            <a:schemeClr val="tx1"/>
+          </a:fontRef>
+        </p:style>
+      </p:cxnSp>
+      <p:cxnSp>
+        <p:nvCxnSpPr>
+          <p:cNvPr id="106" name="Connector: Elbow 105">
+            <a:extLst>
+              <a:ext uri="{FF2B5EF4-FFF2-40B4-BE49-F238E27FC236}">
+                <a16:creationId xmlns:a16="http://schemas.microsoft.com/office/drawing/2014/main" id="{77D23480-C741-154C-07F4-4E95BEB1D183}"/>
+              </a:ext>
+            </a:extLst>
+          </p:cNvPr>
+          <p:cNvCxnSpPr>
+            <a:stCxn id="61" idx="2"/>
+            <a:endCxn id="95" idx="3"/>
+          </p:cNvCxnSpPr>
+          <p:nvPr/>
+        </p:nvCxnSpPr>
+        <p:spPr>
+          <a:xfrm rot="5400000">
+            <a:off x="3830682" y="4302865"/>
+            <a:ext cx="605852" cy="2239362"/>
+          </a:xfrm>
+          <a:prstGeom prst="bentConnector2">
+            <a:avLst/>
+          </a:prstGeom>
+        </p:spPr>
+        <p:style>
+          <a:lnRef idx="1">
+            <a:schemeClr val="accent1"/>
+          </a:lnRef>
+          <a:fillRef idx="0">
+            <a:schemeClr val="accent1"/>
+          </a:fillRef>
+          <a:effectRef idx="0">
+            <a:schemeClr val="accent1"/>
+          </a:effectRef>
+          <a:fontRef idx="minor">
+            <a:schemeClr val="tx1"/>
+          </a:fontRef>
+        </p:style>
+      </p:cxnSp>
+      <p:cxnSp>
+        <p:nvCxnSpPr>
+          <p:cNvPr id="108" name="Connector: Elbow 107">
+            <a:extLst>
+              <a:ext uri="{FF2B5EF4-FFF2-40B4-BE49-F238E27FC236}">
+                <a16:creationId xmlns:a16="http://schemas.microsoft.com/office/drawing/2014/main" id="{24A9DC39-6531-B984-2848-E16F6B381A1C}"/>
+              </a:ext>
+            </a:extLst>
+          </p:cNvPr>
+          <p:cNvCxnSpPr>
+            <a:stCxn id="61" idx="2"/>
+          </p:cNvCxnSpPr>
+          <p:nvPr/>
+        </p:nvCxnSpPr>
+        <p:spPr>
+          <a:xfrm rot="5400000">
+            <a:off x="3547632" y="4459615"/>
+            <a:ext cx="1045653" cy="2365663"/>
+          </a:xfrm>
+          <a:prstGeom prst="bentConnector2">
+            <a:avLst/>
+          </a:prstGeom>
+        </p:spPr>
+        <p:style>
+          <a:lnRef idx="1">
+            <a:schemeClr val="accent1"/>
+          </a:lnRef>
+          <a:fillRef idx="0">
+            <a:schemeClr val="accent1"/>
+          </a:fillRef>
+          <a:effectRef idx="0">
+            <a:schemeClr val="accent1"/>
+          </a:effectRef>
+          <a:fontRef idx="minor">
+            <a:schemeClr val="tx1"/>
+          </a:fontRef>
+        </p:style>
+      </p:cxnSp>
+      <p:sp>
+        <p:nvSpPr>
+          <p:cNvPr id="109" name="Rectangle: Rounded Corners 108">
+            <a:extLst>
+              <a:ext uri="{FF2B5EF4-FFF2-40B4-BE49-F238E27FC236}">
+                <a16:creationId xmlns:a16="http://schemas.microsoft.com/office/drawing/2014/main" id="{A7E168EC-0863-DDDF-D688-E64D129B76F3}"/>
+              </a:ext>
+            </a:extLst>
+          </p:cNvPr>
+          <p:cNvSpPr/>
+          <p:nvPr/>
+        </p:nvSpPr>
+        <p:spPr>
+          <a:xfrm>
+            <a:off x="6938712" y="5877875"/>
+            <a:ext cx="2613997" cy="360218"/>
+          </a:xfrm>
+          <a:prstGeom prst="roundRect">
+            <a:avLst/>
+          </a:prstGeom>
+        </p:spPr>
+        <p:style>
+          <a:lnRef idx="2">
+            <a:schemeClr val="accent1">
+              <a:shade val="15000"/>
+            </a:schemeClr>
+          </a:lnRef>
+          <a:fillRef idx="1">
+            <a:schemeClr val="accent1"/>
+          </a:fillRef>
+          <a:effectRef idx="0">
+            <a:schemeClr val="accent1"/>
+          </a:effectRef>
+          <a:fontRef idx="minor">
+            <a:schemeClr val="lt1"/>
+          </a:fontRef>
+        </p:style>
+        <p:txBody>
+          <a:bodyPr rtlCol="0" anchor="ctr"/>
+          <a:lstStyle/>
+          <a:p>
+            <a:pPr algn="ctr"/>
+            <a:r>
+              <a:rPr lang="en-IE" dirty="0"/>
+              <a:t>Data Preview</a:t>
+            </a:r>
+          </a:p>
+        </p:txBody>
+      </p:sp>
+    </p:spTree>
+    <p:extLst>
+      <p:ext uri="{BB962C8B-B14F-4D97-AF65-F5344CB8AC3E}">
+        <p14:creationId xmlns:p14="http://schemas.microsoft.com/office/powerpoint/2010/main" val="2039941367"/>
+      </p:ext>
+    </p:extLst>
+  </p:cSld>
+  <p:clrMapOvr>
+    <a:masterClrMapping/>
+  </p:clrMapOvr>
+</p:sld>
+</file>
+
 <file path=ppt/theme/theme1.xml><?xml version="1.0" encoding="utf-8"?>
 <a:theme xmlns:a="http://schemas.openxmlformats.org/drawingml/2006/main" name="Office Theme">
   <a:themeElements>
